--- a/7750-01-medical-case-study-powerpoint-template-16x9 (1).pptx
+++ b/7750-01-medical-case-study-powerpoint-template-16x9 (1).pptx
@@ -1820,7 +1820,7 @@
           <a:graphicData uri="http://schemas.openxmlformats.org/presentationml/2006/ole">
             <mc:AlternateContent xmlns:mc="http://schemas.openxmlformats.org/markup-compatibility/2006">
               <mc:Choice xmlns:v="urn:schemas-microsoft-com:vml" Requires="v">
-                <p:oleObj spid="_x0000_s1029" name="think-cell Slide" r:id="rId4" imgW="347" imgH="346" progId="TCLayout.ActiveDocument.1">
+                <p:oleObj spid="_x0000_s1032" name="think-cell Slide" r:id="rId4" imgW="347" imgH="346" progId="TCLayout.ActiveDocument.1">
                   <p:embed/>
                 </p:oleObj>
               </mc:Choice>
@@ -17762,7 +17762,7 @@
           <a:graphicData uri="http://schemas.openxmlformats.org/presentationml/2006/ole">
             <mc:AlternateContent xmlns:mc="http://schemas.openxmlformats.org/markup-compatibility/2006">
               <mc:Choice xmlns:v="urn:schemas-microsoft-com:vml" Requires="v">
-                <p:oleObj spid="_x0000_s2053" name="think-cell Slide" r:id="rId5" imgW="592" imgH="591" progId="TCLayout.ActiveDocument.1">
+                <p:oleObj spid="_x0000_s2056" name="think-cell Slide" r:id="rId5" imgW="592" imgH="591" progId="TCLayout.ActiveDocument.1">
                   <p:embed/>
                 </p:oleObj>
               </mc:Choice>
@@ -32420,284 +32420,68 @@
           <a:chExt cx="0" cy="0"/>
         </a:xfrm>
       </p:grpSpPr>
-      <p:grpSp>
-        <p:nvGrpSpPr>
-          <p:cNvPr id="33" name="Group 32">
+      <p:sp>
+        <p:nvSpPr>
+          <p:cNvPr id="30" name="Shape 692">
             <a:extLst>
               <a:ext uri="{FF2B5EF4-FFF2-40B4-BE49-F238E27FC236}">
-                <a16:creationId xmlns:a16="http://schemas.microsoft.com/office/drawing/2014/main" id="{40ABE54E-1DA5-4177-82DF-75D91F7F3A4D}"/>
+                <a16:creationId xmlns:a16="http://schemas.microsoft.com/office/drawing/2014/main" id="{A152560F-1D92-494E-A012-4A2638ECEC9D}"/>
               </a:ext>
             </a:extLst>
           </p:cNvPr>
-          <p:cNvGrpSpPr/>
+          <p:cNvSpPr/>
           <p:nvPr/>
-        </p:nvGrpSpPr>
-        <p:grpSpPr>
+        </p:nvSpPr>
+        <p:spPr>
           <a:xfrm>
-            <a:off x="7390556" y="3296844"/>
+            <a:off x="5590356" y="3573016"/>
             <a:ext cx="4580927" cy="2207129"/>
-            <a:chOff x="3936631" y="4365056"/>
-            <a:chExt cx="4580927" cy="2207129"/>
           </a:xfrm>
-        </p:grpSpPr>
-        <p:sp>
-          <p:nvSpPr>
-            <p:cNvPr id="30" name="Shape 692">
-              <a:extLst>
-                <a:ext uri="{FF2B5EF4-FFF2-40B4-BE49-F238E27FC236}">
-                  <a16:creationId xmlns:a16="http://schemas.microsoft.com/office/drawing/2014/main" id="{A152560F-1D92-494E-A012-4A2638ECEC9D}"/>
-                </a:ext>
-              </a:extLst>
-            </p:cNvPr>
-            <p:cNvSpPr/>
-            <p:nvPr/>
-          </p:nvSpPr>
-          <p:spPr>
-            <a:xfrm>
-              <a:off x="3936631" y="4365056"/>
-              <a:ext cx="4580927" cy="2207129"/>
-            </a:xfrm>
-            <a:prstGeom prst="roundRect">
-              <a:avLst>
-                <a:gd name="adj" fmla="val 399"/>
-              </a:avLst>
-            </a:prstGeom>
+          <a:prstGeom prst="roundRect">
+            <a:avLst>
+              <a:gd name="adj" fmla="val 399"/>
+            </a:avLst>
+          </a:prstGeom>
+          <a:solidFill>
+            <a:srgbClr val="F6F6F6"/>
+          </a:solidFill>
+          <a:ln>
             <a:solidFill>
-              <a:srgbClr val="F6F6F6"/>
+              <a:schemeClr val="tx2">
+                <a:lumMod val="60000"/>
+                <a:lumOff val="40000"/>
+              </a:schemeClr>
             </a:solidFill>
-            <a:ln>
-              <a:solidFill>
-                <a:schemeClr val="tx2">
-                  <a:lumMod val="60000"/>
-                  <a:lumOff val="40000"/>
-                </a:schemeClr>
-              </a:solidFill>
-            </a:ln>
-          </p:spPr>
-          <p:txBody>
-            <a:bodyPr lIns="91425" tIns="91425" rIns="91425" bIns="91425" anchor="ctr" anchorCtr="0">
-              <a:noAutofit/>
-            </a:bodyPr>
-            <a:lstStyle>
-              <a:defPPr marR="0" lvl="0" algn="l" rtl="0">
-                <a:lnSpc>
-                  <a:spcPct val="100000"/>
-                </a:lnSpc>
-                <a:spcBef>
-                  <a:spcPts val="0"/>
-                </a:spcBef>
-                <a:spcAft>
-                  <a:spcPts val="0"/>
-                </a:spcAft>
-              </a:defPPr>
-              <a:lvl1pPr marR="0" lvl="0" algn="l" rtl="0">
-                <a:lnSpc>
-                  <a:spcPct val="100000"/>
-                </a:lnSpc>
-                <a:spcBef>
-                  <a:spcPts val="0"/>
-                </a:spcBef>
-                <a:spcAft>
-                  <a:spcPts val="0"/>
-                </a:spcAft>
-                <a:buNone/>
-                <a:defRPr sz="1400" b="0" i="0" u="none" strike="noStrike" cap="none">
-                  <a:solidFill>
-                    <a:srgbClr val="000000"/>
-                  </a:solidFill>
-                  <a:latin typeface="Arial"/>
-                  <a:ea typeface="Arial"/>
-                  <a:cs typeface="Arial"/>
-                  <a:sym typeface="Arial"/>
-                </a:defRPr>
-              </a:lvl1pPr>
-              <a:lvl2pPr marR="0" lvl="1" algn="l" rtl="0">
-                <a:lnSpc>
-                  <a:spcPct val="100000"/>
-                </a:lnSpc>
-                <a:spcBef>
-                  <a:spcPts val="0"/>
-                </a:spcBef>
-                <a:spcAft>
-                  <a:spcPts val="0"/>
-                </a:spcAft>
-                <a:buNone/>
-                <a:defRPr sz="1400" b="0" i="0" u="none" strike="noStrike" cap="none">
-                  <a:solidFill>
-                    <a:srgbClr val="000000"/>
-                  </a:solidFill>
-                  <a:latin typeface="Arial"/>
-                  <a:ea typeface="Arial"/>
-                  <a:cs typeface="Arial"/>
-                  <a:sym typeface="Arial"/>
-                </a:defRPr>
-              </a:lvl2pPr>
-              <a:lvl3pPr marR="0" lvl="2" algn="l" rtl="0">
-                <a:lnSpc>
-                  <a:spcPct val="100000"/>
-                </a:lnSpc>
-                <a:spcBef>
-                  <a:spcPts val="0"/>
-                </a:spcBef>
-                <a:spcAft>
-                  <a:spcPts val="0"/>
-                </a:spcAft>
-                <a:buNone/>
-                <a:defRPr sz="1400" b="0" i="0" u="none" strike="noStrike" cap="none">
-                  <a:solidFill>
-                    <a:srgbClr val="000000"/>
-                  </a:solidFill>
-                  <a:latin typeface="Arial"/>
-                  <a:ea typeface="Arial"/>
-                  <a:cs typeface="Arial"/>
-                  <a:sym typeface="Arial"/>
-                </a:defRPr>
-              </a:lvl3pPr>
-              <a:lvl4pPr marR="0" lvl="3" algn="l" rtl="0">
-                <a:lnSpc>
-                  <a:spcPct val="100000"/>
-                </a:lnSpc>
-                <a:spcBef>
-                  <a:spcPts val="0"/>
-                </a:spcBef>
-                <a:spcAft>
-                  <a:spcPts val="0"/>
-                </a:spcAft>
-                <a:buNone/>
-                <a:defRPr sz="1400" b="0" i="0" u="none" strike="noStrike" cap="none">
-                  <a:solidFill>
-                    <a:srgbClr val="000000"/>
-                  </a:solidFill>
-                  <a:latin typeface="Arial"/>
-                  <a:ea typeface="Arial"/>
-                  <a:cs typeface="Arial"/>
-                  <a:sym typeface="Arial"/>
-                </a:defRPr>
-              </a:lvl4pPr>
-              <a:lvl5pPr marR="0" lvl="4" algn="l" rtl="0">
-                <a:lnSpc>
-                  <a:spcPct val="100000"/>
-                </a:lnSpc>
-                <a:spcBef>
-                  <a:spcPts val="0"/>
-                </a:spcBef>
-                <a:spcAft>
-                  <a:spcPts val="0"/>
-                </a:spcAft>
-                <a:buNone/>
-                <a:defRPr sz="1400" b="0" i="0" u="none" strike="noStrike" cap="none">
-                  <a:solidFill>
-                    <a:srgbClr val="000000"/>
-                  </a:solidFill>
-                  <a:latin typeface="Arial"/>
-                  <a:ea typeface="Arial"/>
-                  <a:cs typeface="Arial"/>
-                  <a:sym typeface="Arial"/>
-                </a:defRPr>
-              </a:lvl5pPr>
-              <a:lvl6pPr marR="0" lvl="5" algn="l" rtl="0">
-                <a:lnSpc>
-                  <a:spcPct val="100000"/>
-                </a:lnSpc>
-                <a:spcBef>
-                  <a:spcPts val="0"/>
-                </a:spcBef>
-                <a:spcAft>
-                  <a:spcPts val="0"/>
-                </a:spcAft>
-                <a:buNone/>
-                <a:defRPr sz="1400" b="0" i="0" u="none" strike="noStrike" cap="none">
-                  <a:solidFill>
-                    <a:srgbClr val="000000"/>
-                  </a:solidFill>
-                  <a:latin typeface="Arial"/>
-                  <a:ea typeface="Arial"/>
-                  <a:cs typeface="Arial"/>
-                  <a:sym typeface="Arial"/>
-                </a:defRPr>
-              </a:lvl6pPr>
-              <a:lvl7pPr marR="0" lvl="6" algn="l" rtl="0">
-                <a:lnSpc>
-                  <a:spcPct val="100000"/>
-                </a:lnSpc>
-                <a:spcBef>
-                  <a:spcPts val="0"/>
-                </a:spcBef>
-                <a:spcAft>
-                  <a:spcPts val="0"/>
-                </a:spcAft>
-                <a:buNone/>
-                <a:defRPr sz="1400" b="0" i="0" u="none" strike="noStrike" cap="none">
-                  <a:solidFill>
-                    <a:srgbClr val="000000"/>
-                  </a:solidFill>
-                  <a:latin typeface="Arial"/>
-                  <a:ea typeface="Arial"/>
-                  <a:cs typeface="Arial"/>
-                  <a:sym typeface="Arial"/>
-                </a:defRPr>
-              </a:lvl7pPr>
-              <a:lvl8pPr marR="0" lvl="7" algn="l" rtl="0">
-                <a:lnSpc>
-                  <a:spcPct val="100000"/>
-                </a:lnSpc>
-                <a:spcBef>
-                  <a:spcPts val="0"/>
-                </a:spcBef>
-                <a:spcAft>
-                  <a:spcPts val="0"/>
-                </a:spcAft>
-                <a:buNone/>
-                <a:defRPr sz="1400" b="0" i="0" u="none" strike="noStrike" cap="none">
-                  <a:solidFill>
-                    <a:srgbClr val="000000"/>
-                  </a:solidFill>
-                  <a:latin typeface="Arial"/>
-                  <a:ea typeface="Arial"/>
-                  <a:cs typeface="Arial"/>
-                  <a:sym typeface="Arial"/>
-                </a:defRPr>
-              </a:lvl8pPr>
-              <a:lvl9pPr marR="0" lvl="8" algn="l" rtl="0">
-                <a:lnSpc>
-                  <a:spcPct val="100000"/>
-                </a:lnSpc>
-                <a:spcBef>
-                  <a:spcPts val="0"/>
-                </a:spcBef>
-                <a:spcAft>
-                  <a:spcPts val="0"/>
-                </a:spcAft>
-                <a:buNone/>
-                <a:defRPr sz="1400" b="0" i="0" u="none" strike="noStrike" cap="none">
-                  <a:solidFill>
-                    <a:srgbClr val="000000"/>
-                  </a:solidFill>
-                  <a:latin typeface="Arial"/>
-                  <a:ea typeface="Arial"/>
-                  <a:cs typeface="Arial"/>
-                  <a:sym typeface="Arial"/>
-                </a:defRPr>
-              </a:lvl9pPr>
-            </a:lstStyle>
-            <a:p>
-              <a:pPr marL="0" marR="0" lvl="0" indent="0" algn="l" rtl="0">
-                <a:lnSpc>
-                  <a:spcPct val="100000"/>
-                </a:lnSpc>
-                <a:spcBef>
-                  <a:spcPts val="0"/>
-                </a:spcBef>
-                <a:spcAft>
-                  <a:spcPts val="0"/>
-                </a:spcAft>
-                <a:buClr>
-                  <a:srgbClr val="000000"/>
-                </a:buClr>
-                <a:buFont typeface="Arial"/>
-                <a:buNone/>
-              </a:pPr>
-              <a:endParaRPr sz="1400" b="0" i="0" u="none" strike="noStrike" cap="none">
+          </a:ln>
+        </p:spPr>
+        <p:txBody>
+          <a:bodyPr lIns="91425" tIns="91425" rIns="91425" bIns="91425" anchor="ctr" anchorCtr="0">
+            <a:noAutofit/>
+          </a:bodyPr>
+          <a:lstStyle>
+            <a:defPPr marR="0" lvl="0" algn="l" rtl="0">
+              <a:lnSpc>
+                <a:spcPct val="100000"/>
+              </a:lnSpc>
+              <a:spcBef>
+                <a:spcPts val="0"/>
+              </a:spcBef>
+              <a:spcAft>
+                <a:spcPts val="0"/>
+              </a:spcAft>
+            </a:defPPr>
+            <a:lvl1pPr marR="0" lvl="0" algn="l" rtl="0">
+              <a:lnSpc>
+                <a:spcPct val="100000"/>
+              </a:lnSpc>
+              <a:spcBef>
+                <a:spcPts val="0"/>
+              </a:spcBef>
+              <a:spcAft>
+                <a:spcPts val="0"/>
+              </a:spcAft>
+              <a:buNone/>
+              <a:defRPr sz="1400" b="0" i="0" u="none" strike="noStrike" cap="none">
                 <a:solidFill>
                   <a:srgbClr val="000000"/>
                 </a:solidFill>
@@ -32705,49 +32489,206 @@
                 <a:ea typeface="Arial"/>
                 <a:cs typeface="Arial"/>
                 <a:sym typeface="Arial"/>
-              </a:endParaRPr>
-            </a:p>
-          </p:txBody>
-        </p:sp>
-        <p:pic>
-          <p:nvPicPr>
-            <p:cNvPr id="31" name="Shape 693">
-              <a:extLst>
-                <a:ext uri="{FF2B5EF4-FFF2-40B4-BE49-F238E27FC236}">
-                  <a16:creationId xmlns:a16="http://schemas.microsoft.com/office/drawing/2014/main" id="{D5173DF1-0A0E-4360-8AB8-59705F025FE7}"/>
-                </a:ext>
-              </a:extLst>
-            </p:cNvPr>
-            <p:cNvPicPr preferRelativeResize="0"/>
-            <p:nvPr/>
-          </p:nvPicPr>
-          <p:blipFill rotWithShape="1">
-            <a:blip r:embed="rId2">
-              <a:alphaModFix/>
-            </a:blip>
-            <a:srcRect/>
-            <a:stretch/>
-          </p:blipFill>
-          <p:spPr>
-            <a:xfrm>
-              <a:off x="4267211" y="4400492"/>
-              <a:ext cx="1206129" cy="108937"/>
-            </a:xfrm>
-            <a:prstGeom prst="rect">
-              <a:avLst/>
-            </a:prstGeom>
-            <a:noFill/>
-            <a:ln>
+              </a:defRPr>
+            </a:lvl1pPr>
+            <a:lvl2pPr marR="0" lvl="1" algn="l" rtl="0">
+              <a:lnSpc>
+                <a:spcPct val="100000"/>
+              </a:lnSpc>
+              <a:spcBef>
+                <a:spcPts val="0"/>
+              </a:spcBef>
+              <a:spcAft>
+                <a:spcPts val="0"/>
+              </a:spcAft>
+              <a:buNone/>
+              <a:defRPr sz="1400" b="0" i="0" u="none" strike="noStrike" cap="none">
+                <a:solidFill>
+                  <a:srgbClr val="000000"/>
+                </a:solidFill>
+                <a:latin typeface="Arial"/>
+                <a:ea typeface="Arial"/>
+                <a:cs typeface="Arial"/>
+                <a:sym typeface="Arial"/>
+              </a:defRPr>
+            </a:lvl2pPr>
+            <a:lvl3pPr marR="0" lvl="2" algn="l" rtl="0">
+              <a:lnSpc>
+                <a:spcPct val="100000"/>
+              </a:lnSpc>
+              <a:spcBef>
+                <a:spcPts val="0"/>
+              </a:spcBef>
+              <a:spcAft>
+                <a:spcPts val="0"/>
+              </a:spcAft>
+              <a:buNone/>
+              <a:defRPr sz="1400" b="0" i="0" u="none" strike="noStrike" cap="none">
+                <a:solidFill>
+                  <a:srgbClr val="000000"/>
+                </a:solidFill>
+                <a:latin typeface="Arial"/>
+                <a:ea typeface="Arial"/>
+                <a:cs typeface="Arial"/>
+                <a:sym typeface="Arial"/>
+              </a:defRPr>
+            </a:lvl3pPr>
+            <a:lvl4pPr marR="0" lvl="3" algn="l" rtl="0">
+              <a:lnSpc>
+                <a:spcPct val="100000"/>
+              </a:lnSpc>
+              <a:spcBef>
+                <a:spcPts val="0"/>
+              </a:spcBef>
+              <a:spcAft>
+                <a:spcPts val="0"/>
+              </a:spcAft>
+              <a:buNone/>
+              <a:defRPr sz="1400" b="0" i="0" u="none" strike="noStrike" cap="none">
+                <a:solidFill>
+                  <a:srgbClr val="000000"/>
+                </a:solidFill>
+                <a:latin typeface="Arial"/>
+                <a:ea typeface="Arial"/>
+                <a:cs typeface="Arial"/>
+                <a:sym typeface="Arial"/>
+              </a:defRPr>
+            </a:lvl4pPr>
+            <a:lvl5pPr marR="0" lvl="4" algn="l" rtl="0">
+              <a:lnSpc>
+                <a:spcPct val="100000"/>
+              </a:lnSpc>
+              <a:spcBef>
+                <a:spcPts val="0"/>
+              </a:spcBef>
+              <a:spcAft>
+                <a:spcPts val="0"/>
+              </a:spcAft>
+              <a:buNone/>
+              <a:defRPr sz="1400" b="0" i="0" u="none" strike="noStrike" cap="none">
+                <a:solidFill>
+                  <a:srgbClr val="000000"/>
+                </a:solidFill>
+                <a:latin typeface="Arial"/>
+                <a:ea typeface="Arial"/>
+                <a:cs typeface="Arial"/>
+                <a:sym typeface="Arial"/>
+              </a:defRPr>
+            </a:lvl5pPr>
+            <a:lvl6pPr marR="0" lvl="5" algn="l" rtl="0">
+              <a:lnSpc>
+                <a:spcPct val="100000"/>
+              </a:lnSpc>
+              <a:spcBef>
+                <a:spcPts val="0"/>
+              </a:spcBef>
+              <a:spcAft>
+                <a:spcPts val="0"/>
+              </a:spcAft>
+              <a:buNone/>
+              <a:defRPr sz="1400" b="0" i="0" u="none" strike="noStrike" cap="none">
+                <a:solidFill>
+                  <a:srgbClr val="000000"/>
+                </a:solidFill>
+                <a:latin typeface="Arial"/>
+                <a:ea typeface="Arial"/>
+                <a:cs typeface="Arial"/>
+                <a:sym typeface="Arial"/>
+              </a:defRPr>
+            </a:lvl6pPr>
+            <a:lvl7pPr marR="0" lvl="6" algn="l" rtl="0">
+              <a:lnSpc>
+                <a:spcPct val="100000"/>
+              </a:lnSpc>
+              <a:spcBef>
+                <a:spcPts val="0"/>
+              </a:spcBef>
+              <a:spcAft>
+                <a:spcPts val="0"/>
+              </a:spcAft>
+              <a:buNone/>
+              <a:defRPr sz="1400" b="0" i="0" u="none" strike="noStrike" cap="none">
+                <a:solidFill>
+                  <a:srgbClr val="000000"/>
+                </a:solidFill>
+                <a:latin typeface="Arial"/>
+                <a:ea typeface="Arial"/>
+                <a:cs typeface="Arial"/>
+                <a:sym typeface="Arial"/>
+              </a:defRPr>
+            </a:lvl7pPr>
+            <a:lvl8pPr marR="0" lvl="7" algn="l" rtl="0">
+              <a:lnSpc>
+                <a:spcPct val="100000"/>
+              </a:lnSpc>
+              <a:spcBef>
+                <a:spcPts val="0"/>
+              </a:spcBef>
+              <a:spcAft>
+                <a:spcPts val="0"/>
+              </a:spcAft>
+              <a:buNone/>
+              <a:defRPr sz="1400" b="0" i="0" u="none" strike="noStrike" cap="none">
+                <a:solidFill>
+                  <a:srgbClr val="000000"/>
+                </a:solidFill>
+                <a:latin typeface="Arial"/>
+                <a:ea typeface="Arial"/>
+                <a:cs typeface="Arial"/>
+                <a:sym typeface="Arial"/>
+              </a:defRPr>
+            </a:lvl8pPr>
+            <a:lvl9pPr marR="0" lvl="8" algn="l" rtl="0">
+              <a:lnSpc>
+                <a:spcPct val="100000"/>
+              </a:lnSpc>
+              <a:spcBef>
+                <a:spcPts val="0"/>
+              </a:spcBef>
+              <a:spcAft>
+                <a:spcPts val="0"/>
+              </a:spcAft>
+              <a:buNone/>
+              <a:defRPr sz="1400" b="0" i="0" u="none" strike="noStrike" cap="none">
+                <a:solidFill>
+                  <a:srgbClr val="000000"/>
+                </a:solidFill>
+                <a:latin typeface="Arial"/>
+                <a:ea typeface="Arial"/>
+                <a:cs typeface="Arial"/>
+                <a:sym typeface="Arial"/>
+              </a:defRPr>
+            </a:lvl9pPr>
+          </a:lstStyle>
+          <a:p>
+            <a:pPr marL="0" marR="0" lvl="0" indent="0" algn="l" rtl="0">
+              <a:lnSpc>
+                <a:spcPct val="100000"/>
+              </a:lnSpc>
+              <a:spcBef>
+                <a:spcPts val="0"/>
+              </a:spcBef>
+              <a:spcAft>
+                <a:spcPts val="0"/>
+              </a:spcAft>
+              <a:buClr>
+                <a:srgbClr val="000000"/>
+              </a:buClr>
+              <a:buFont typeface="Arial"/>
+              <a:buNone/>
+            </a:pPr>
+            <a:endParaRPr sz="1400" b="0" i="0" u="none" strike="noStrike" cap="none">
               <a:solidFill>
-                <a:schemeClr val="tx2">
-                  <a:lumMod val="60000"/>
-                  <a:lumOff val="40000"/>
-                </a:schemeClr>
+                <a:srgbClr val="000000"/>
               </a:solidFill>
-            </a:ln>
-          </p:spPr>
-        </p:pic>
-      </p:grpSp>
+              <a:latin typeface="Arial"/>
+              <a:ea typeface="Arial"/>
+              <a:cs typeface="Arial"/>
+              <a:sym typeface="Arial"/>
+            </a:endParaRPr>
+          </a:p>
+        </p:txBody>
+      </p:sp>
       <p:sp>
         <p:nvSpPr>
           <p:cNvPr id="17" name="Rectangle: Rounded Corners 16">
@@ -32762,7 +32703,7 @@
         </p:nvSpPr>
         <p:spPr>
           <a:xfrm>
-            <a:off x="8324201" y="1230364"/>
+            <a:off x="6524001" y="1506536"/>
             <a:ext cx="3016777" cy="1484137"/>
           </a:xfrm>
           <a:prstGeom prst="roundRect">
@@ -32845,7 +32786,7 @@
           <p:nvPr/>
         </p:nvPicPr>
         <p:blipFill>
-          <a:blip r:embed="rId3" cstate="print">
+          <a:blip r:embed="rId2" cstate="print">
             <a:extLst>
               <a:ext uri="{28A0092B-C50C-407E-A947-70E740481C1C}">
                 <a14:useLocalDpi xmlns:a14="http://schemas.microsoft.com/office/drawing/2010/main" val="0"/>
@@ -32858,7 +32799,7 @@
         </p:blipFill>
         <p:spPr>
           <a:xfrm>
-            <a:off x="8983314" y="1589347"/>
+            <a:off x="7183114" y="1865519"/>
             <a:ext cx="603250" cy="723900"/>
           </a:xfrm>
           <a:prstGeom prst="rect">
@@ -32880,7 +32821,7 @@
         </p:nvSpPr>
         <p:spPr>
           <a:xfrm>
-            <a:off x="8778203" y="2314323"/>
+            <a:off x="6978003" y="2590495"/>
             <a:ext cx="998785" cy="246221"/>
           </a:xfrm>
           <a:prstGeom prst="rect">
@@ -32920,7 +32861,7 @@
           <p:nvPr/>
         </p:nvPicPr>
         <p:blipFill>
-          <a:blip r:embed="rId4" cstate="print">
+          <a:blip r:embed="rId3" cstate="print">
             <a:extLst>
               <a:ext uri="{28A0092B-C50C-407E-A947-70E740481C1C}">
                 <a14:useLocalDpi xmlns:a14="http://schemas.microsoft.com/office/drawing/2010/main" val="0"/>
@@ -32933,7 +32874,7 @@
         </p:blipFill>
         <p:spPr>
           <a:xfrm>
-            <a:off x="8120958" y="944445"/>
+            <a:off x="6320758" y="1220617"/>
             <a:ext cx="530056" cy="644902"/>
           </a:xfrm>
           <a:prstGeom prst="rect">
@@ -32955,7 +32896,7 @@
         </p:nvSpPr>
         <p:spPr>
           <a:xfrm>
-            <a:off x="8064709" y="1625005"/>
+            <a:off x="6264509" y="1901177"/>
             <a:ext cx="643781" cy="155632"/>
           </a:xfrm>
           <a:prstGeom prst="rect">
@@ -32993,7 +32934,7 @@
           <p:nvPr/>
         </p:nvPicPr>
         <p:blipFill>
-          <a:blip r:embed="rId5" cstate="print">
+          <a:blip r:embed="rId4" cstate="print">
             <a:extLst>
               <a:ext uri="{28A0092B-C50C-407E-A947-70E740481C1C}">
                 <a14:useLocalDpi xmlns:a14="http://schemas.microsoft.com/office/drawing/2010/main" val="0"/>
@@ -33006,7 +32947,7 @@
         </p:blipFill>
         <p:spPr>
           <a:xfrm>
-            <a:off x="10147237" y="1619728"/>
+            <a:off x="8347037" y="1895900"/>
             <a:ext cx="543291" cy="651950"/>
           </a:xfrm>
           <a:prstGeom prst="rect">
@@ -33028,7 +32969,7 @@
         </p:nvSpPr>
         <p:spPr>
           <a:xfrm>
-            <a:off x="9854864" y="2295758"/>
+            <a:off x="8054664" y="2571930"/>
             <a:ext cx="1128037" cy="155632"/>
           </a:xfrm>
           <a:prstGeom prst="rect">
@@ -33050,12 +32991,480 @@
           </a:p>
         </p:txBody>
       </p:sp>
+      <p:cxnSp>
+        <p:nvCxnSpPr>
+          <p:cNvPr id="36" name="Straight Arrow Connector 35">
+            <a:extLst>
+              <a:ext uri="{FF2B5EF4-FFF2-40B4-BE49-F238E27FC236}">
+                <a16:creationId xmlns:a16="http://schemas.microsoft.com/office/drawing/2014/main" id="{0BDC112F-F503-4AF3-9C16-7D5704BCB611}"/>
+              </a:ext>
+            </a:extLst>
+          </p:cNvPr>
+          <p:cNvCxnSpPr>
+            <a:cxnSpLocks/>
+            <a:stCxn id="55" idx="3"/>
+          </p:cNvCxnSpPr>
+          <p:nvPr/>
+        </p:nvCxnSpPr>
+        <p:spPr>
+          <a:xfrm flipV="1">
+            <a:off x="3574430" y="2409028"/>
+            <a:ext cx="2969636" cy="1556062"/>
+          </a:xfrm>
+          <a:prstGeom prst="straightConnector1">
+            <a:avLst/>
+          </a:prstGeom>
+          <a:ln>
+            <a:tailEnd type="triangle"/>
+          </a:ln>
+        </p:spPr>
+        <p:style>
+          <a:lnRef idx="1">
+            <a:schemeClr val="accent1"/>
+          </a:lnRef>
+          <a:fillRef idx="0">
+            <a:schemeClr val="accent1"/>
+          </a:fillRef>
+          <a:effectRef idx="0">
+            <a:schemeClr val="accent1"/>
+          </a:effectRef>
+          <a:fontRef idx="minor">
+            <a:schemeClr val="tx1"/>
+          </a:fontRef>
+        </p:style>
+      </p:cxnSp>
+      <p:cxnSp>
+        <p:nvCxnSpPr>
+          <p:cNvPr id="38" name="Straight Arrow Connector 37">
+            <a:extLst>
+              <a:ext uri="{FF2B5EF4-FFF2-40B4-BE49-F238E27FC236}">
+                <a16:creationId xmlns:a16="http://schemas.microsoft.com/office/drawing/2014/main" id="{5E34CC47-DED0-40AA-A8B3-75D56EC7E38E}"/>
+              </a:ext>
+            </a:extLst>
+          </p:cNvPr>
+          <p:cNvCxnSpPr>
+            <a:cxnSpLocks/>
+            <a:stCxn id="30" idx="0"/>
+          </p:cNvCxnSpPr>
+          <p:nvPr/>
+        </p:nvCxnSpPr>
+        <p:spPr>
+          <a:xfrm flipV="1">
+            <a:off x="7880820" y="2948402"/>
+            <a:ext cx="95968" cy="624614"/>
+          </a:xfrm>
+          <a:prstGeom prst="straightConnector1">
+            <a:avLst/>
+          </a:prstGeom>
+          <a:ln>
+            <a:tailEnd type="triangle"/>
+          </a:ln>
+        </p:spPr>
+        <p:style>
+          <a:lnRef idx="1">
+            <a:schemeClr val="accent1"/>
+          </a:lnRef>
+          <a:fillRef idx="0">
+            <a:schemeClr val="accent1"/>
+          </a:fillRef>
+          <a:effectRef idx="0">
+            <a:schemeClr val="accent1"/>
+          </a:effectRef>
+          <a:fontRef idx="minor">
+            <a:schemeClr val="tx1"/>
+          </a:fontRef>
+        </p:style>
+      </p:cxnSp>
+      <p:cxnSp>
+        <p:nvCxnSpPr>
+          <p:cNvPr id="41" name="Straight Arrow Connector 40">
+            <a:extLst>
+              <a:ext uri="{FF2B5EF4-FFF2-40B4-BE49-F238E27FC236}">
+                <a16:creationId xmlns:a16="http://schemas.microsoft.com/office/drawing/2014/main" id="{4B106706-1D28-4890-8EAC-54E553C4AC4D}"/>
+              </a:ext>
+            </a:extLst>
+          </p:cNvPr>
+          <p:cNvCxnSpPr>
+            <a:cxnSpLocks/>
+            <a:stCxn id="55" idx="3"/>
+            <a:endCxn id="30" idx="1"/>
+          </p:cNvCxnSpPr>
+          <p:nvPr/>
+        </p:nvCxnSpPr>
+        <p:spPr>
+          <a:xfrm>
+            <a:off x="3574430" y="3965090"/>
+            <a:ext cx="2015926" cy="711491"/>
+          </a:xfrm>
+          <a:prstGeom prst="straightConnector1">
+            <a:avLst/>
+          </a:prstGeom>
+          <a:ln>
+            <a:tailEnd type="triangle"/>
+          </a:ln>
+        </p:spPr>
+        <p:style>
+          <a:lnRef idx="1">
+            <a:schemeClr val="accent1"/>
+          </a:lnRef>
+          <a:fillRef idx="0">
+            <a:schemeClr val="accent1"/>
+          </a:fillRef>
+          <a:effectRef idx="0">
+            <a:schemeClr val="accent1"/>
+          </a:effectRef>
+          <a:fontRef idx="minor">
+            <a:schemeClr val="tx1"/>
+          </a:fontRef>
+        </p:style>
+      </p:cxnSp>
+      <p:sp>
+        <p:nvSpPr>
+          <p:cNvPr id="44" name="Shape 323">
+            <a:extLst>
+              <a:ext uri="{FF2B5EF4-FFF2-40B4-BE49-F238E27FC236}">
+                <a16:creationId xmlns:a16="http://schemas.microsoft.com/office/drawing/2014/main" id="{F38D45A4-29BD-4822-908A-FE6A397FA6AE}"/>
+              </a:ext>
+            </a:extLst>
+          </p:cNvPr>
+          <p:cNvSpPr txBox="1"/>
+          <p:nvPr/>
+        </p:nvSpPr>
+        <p:spPr>
+          <a:xfrm>
+            <a:off x="6334278" y="4833919"/>
+            <a:ext cx="752400" cy="250200"/>
+          </a:xfrm>
+          <a:prstGeom prst="rect">
+            <a:avLst/>
+          </a:prstGeom>
+          <a:noFill/>
+          <a:ln>
+            <a:noFill/>
+          </a:ln>
+        </p:spPr>
+        <p:txBody>
+          <a:bodyPr lIns="68575" tIns="68575" rIns="68575" bIns="68575" anchor="ctr" anchorCtr="0">
+            <a:noAutofit/>
+          </a:bodyPr>
+          <a:lstStyle>
+            <a:defPPr marR="0" lvl="0" algn="l" rtl="0">
+              <a:lnSpc>
+                <a:spcPct val="100000"/>
+              </a:lnSpc>
+              <a:spcBef>
+                <a:spcPts val="0"/>
+              </a:spcBef>
+              <a:spcAft>
+                <a:spcPts val="0"/>
+              </a:spcAft>
+            </a:defPPr>
+            <a:lvl1pPr marR="0" lvl="0" algn="l" rtl="0">
+              <a:lnSpc>
+                <a:spcPct val="100000"/>
+              </a:lnSpc>
+              <a:spcBef>
+                <a:spcPts val="0"/>
+              </a:spcBef>
+              <a:spcAft>
+                <a:spcPts val="0"/>
+              </a:spcAft>
+              <a:buNone/>
+              <a:defRPr sz="1400" b="0" i="0" u="none" strike="noStrike" cap="none">
+                <a:solidFill>
+                  <a:srgbClr val="000000"/>
+                </a:solidFill>
+                <a:latin typeface="Arial"/>
+                <a:ea typeface="Arial"/>
+                <a:cs typeface="Arial"/>
+                <a:sym typeface="Arial"/>
+              </a:defRPr>
+            </a:lvl1pPr>
+            <a:lvl2pPr marR="0" lvl="1" algn="l" rtl="0">
+              <a:lnSpc>
+                <a:spcPct val="100000"/>
+              </a:lnSpc>
+              <a:spcBef>
+                <a:spcPts val="0"/>
+              </a:spcBef>
+              <a:spcAft>
+                <a:spcPts val="0"/>
+              </a:spcAft>
+              <a:buNone/>
+              <a:defRPr sz="1400" b="0" i="0" u="none" strike="noStrike" cap="none">
+                <a:solidFill>
+                  <a:srgbClr val="000000"/>
+                </a:solidFill>
+                <a:latin typeface="Arial"/>
+                <a:ea typeface="Arial"/>
+                <a:cs typeface="Arial"/>
+                <a:sym typeface="Arial"/>
+              </a:defRPr>
+            </a:lvl2pPr>
+            <a:lvl3pPr marR="0" lvl="2" algn="l" rtl="0">
+              <a:lnSpc>
+                <a:spcPct val="100000"/>
+              </a:lnSpc>
+              <a:spcBef>
+                <a:spcPts val="0"/>
+              </a:spcBef>
+              <a:spcAft>
+                <a:spcPts val="0"/>
+              </a:spcAft>
+              <a:buNone/>
+              <a:defRPr sz="1400" b="0" i="0" u="none" strike="noStrike" cap="none">
+                <a:solidFill>
+                  <a:srgbClr val="000000"/>
+                </a:solidFill>
+                <a:latin typeface="Arial"/>
+                <a:ea typeface="Arial"/>
+                <a:cs typeface="Arial"/>
+                <a:sym typeface="Arial"/>
+              </a:defRPr>
+            </a:lvl3pPr>
+            <a:lvl4pPr marR="0" lvl="3" algn="l" rtl="0">
+              <a:lnSpc>
+                <a:spcPct val="100000"/>
+              </a:lnSpc>
+              <a:spcBef>
+                <a:spcPts val="0"/>
+              </a:spcBef>
+              <a:spcAft>
+                <a:spcPts val="0"/>
+              </a:spcAft>
+              <a:buNone/>
+              <a:defRPr sz="1400" b="0" i="0" u="none" strike="noStrike" cap="none">
+                <a:solidFill>
+                  <a:srgbClr val="000000"/>
+                </a:solidFill>
+                <a:latin typeface="Arial"/>
+                <a:ea typeface="Arial"/>
+                <a:cs typeface="Arial"/>
+                <a:sym typeface="Arial"/>
+              </a:defRPr>
+            </a:lvl4pPr>
+            <a:lvl5pPr marR="0" lvl="4" algn="l" rtl="0">
+              <a:lnSpc>
+                <a:spcPct val="100000"/>
+              </a:lnSpc>
+              <a:spcBef>
+                <a:spcPts val="0"/>
+              </a:spcBef>
+              <a:spcAft>
+                <a:spcPts val="0"/>
+              </a:spcAft>
+              <a:buNone/>
+              <a:defRPr sz="1400" b="0" i="0" u="none" strike="noStrike" cap="none">
+                <a:solidFill>
+                  <a:srgbClr val="000000"/>
+                </a:solidFill>
+                <a:latin typeface="Arial"/>
+                <a:ea typeface="Arial"/>
+                <a:cs typeface="Arial"/>
+                <a:sym typeface="Arial"/>
+              </a:defRPr>
+            </a:lvl5pPr>
+            <a:lvl6pPr marR="0" lvl="5" algn="l" rtl="0">
+              <a:lnSpc>
+                <a:spcPct val="100000"/>
+              </a:lnSpc>
+              <a:spcBef>
+                <a:spcPts val="0"/>
+              </a:spcBef>
+              <a:spcAft>
+                <a:spcPts val="0"/>
+              </a:spcAft>
+              <a:buNone/>
+              <a:defRPr sz="1400" b="0" i="0" u="none" strike="noStrike" cap="none">
+                <a:solidFill>
+                  <a:srgbClr val="000000"/>
+                </a:solidFill>
+                <a:latin typeface="Arial"/>
+                <a:ea typeface="Arial"/>
+                <a:cs typeface="Arial"/>
+                <a:sym typeface="Arial"/>
+              </a:defRPr>
+            </a:lvl6pPr>
+            <a:lvl7pPr marR="0" lvl="6" algn="l" rtl="0">
+              <a:lnSpc>
+                <a:spcPct val="100000"/>
+              </a:lnSpc>
+              <a:spcBef>
+                <a:spcPts val="0"/>
+              </a:spcBef>
+              <a:spcAft>
+                <a:spcPts val="0"/>
+              </a:spcAft>
+              <a:buNone/>
+              <a:defRPr sz="1400" b="0" i="0" u="none" strike="noStrike" cap="none">
+                <a:solidFill>
+                  <a:srgbClr val="000000"/>
+                </a:solidFill>
+                <a:latin typeface="Arial"/>
+                <a:ea typeface="Arial"/>
+                <a:cs typeface="Arial"/>
+                <a:sym typeface="Arial"/>
+              </a:defRPr>
+            </a:lvl7pPr>
+            <a:lvl8pPr marR="0" lvl="7" algn="l" rtl="0">
+              <a:lnSpc>
+                <a:spcPct val="100000"/>
+              </a:lnSpc>
+              <a:spcBef>
+                <a:spcPts val="0"/>
+              </a:spcBef>
+              <a:spcAft>
+                <a:spcPts val="0"/>
+              </a:spcAft>
+              <a:buNone/>
+              <a:defRPr sz="1400" b="0" i="0" u="none" strike="noStrike" cap="none">
+                <a:solidFill>
+                  <a:srgbClr val="000000"/>
+                </a:solidFill>
+                <a:latin typeface="Arial"/>
+                <a:ea typeface="Arial"/>
+                <a:cs typeface="Arial"/>
+                <a:sym typeface="Arial"/>
+              </a:defRPr>
+            </a:lvl8pPr>
+            <a:lvl9pPr marR="0" lvl="8" algn="l" rtl="0">
+              <a:lnSpc>
+                <a:spcPct val="100000"/>
+              </a:lnSpc>
+              <a:spcBef>
+                <a:spcPts val="0"/>
+              </a:spcBef>
+              <a:spcAft>
+                <a:spcPts val="0"/>
+              </a:spcAft>
+              <a:buNone/>
+              <a:defRPr sz="1400" b="0" i="0" u="none" strike="noStrike" cap="none">
+                <a:solidFill>
+                  <a:srgbClr val="000000"/>
+                </a:solidFill>
+                <a:latin typeface="Arial"/>
+                <a:ea typeface="Arial"/>
+                <a:cs typeface="Arial"/>
+                <a:sym typeface="Arial"/>
+              </a:defRPr>
+            </a:lvl9pPr>
+          </a:lstStyle>
+          <a:p>
+            <a:pPr marL="0" marR="0" lvl="0" indent="0" algn="ctr" rtl="0">
+              <a:lnSpc>
+                <a:spcPct val="100000"/>
+              </a:lnSpc>
+              <a:spcBef>
+                <a:spcPts val="0"/>
+              </a:spcBef>
+              <a:spcAft>
+                <a:spcPts val="0"/>
+              </a:spcAft>
+              <a:buClr>
+                <a:srgbClr val="808080"/>
+              </a:buClr>
+              <a:buSzPct val="25000"/>
+              <a:buFont typeface="Open Sans"/>
+              <a:buNone/>
+            </a:pPr>
+            <a:r>
+              <a:rPr lang="en-US" sz="700" b="1" i="0" u="none" strike="noStrike" cap="none">
+                <a:solidFill>
+                  <a:srgbClr val="808080"/>
+                </a:solidFill>
+                <a:latin typeface="Open Sans"/>
+                <a:ea typeface="Open Sans"/>
+                <a:cs typeface="Open Sans"/>
+                <a:sym typeface="Open Sans"/>
+              </a:rPr>
+              <a:t>Cloud Load Balancing</a:t>
+            </a:r>
+          </a:p>
+        </p:txBody>
+      </p:sp>
+      <p:pic>
+        <p:nvPicPr>
+          <p:cNvPr id="45" name="Shape 343" descr="Cloud-Load-Balancing_256px.png">
+            <a:extLst>
+              <a:ext uri="{FF2B5EF4-FFF2-40B4-BE49-F238E27FC236}">
+                <a16:creationId xmlns:a16="http://schemas.microsoft.com/office/drawing/2014/main" id="{8976562F-A210-4278-86D5-B254ABE0456C}"/>
+              </a:ext>
+            </a:extLst>
+          </p:cNvPr>
+          <p:cNvPicPr preferRelativeResize="0"/>
+          <p:nvPr/>
+        </p:nvPicPr>
+        <p:blipFill rotWithShape="1">
+          <a:blip r:embed="rId5">
+            <a:alphaModFix/>
+          </a:blip>
+          <a:srcRect t="5092" b="5092"/>
+          <a:stretch/>
+        </p:blipFill>
+        <p:spPr>
+          <a:xfrm>
+            <a:off x="6447603" y="4333137"/>
+            <a:ext cx="530400" cy="476400"/>
+          </a:xfrm>
+          <a:prstGeom prst="rect">
+            <a:avLst/>
+          </a:prstGeom>
+          <a:noFill/>
+          <a:ln>
+            <a:noFill/>
+          </a:ln>
+        </p:spPr>
+      </p:pic>
+      <p:pic>
+        <p:nvPicPr>
+          <p:cNvPr id="46" name="Shape 693">
+            <a:extLst>
+              <a:ext uri="{FF2B5EF4-FFF2-40B4-BE49-F238E27FC236}">
+                <a16:creationId xmlns:a16="http://schemas.microsoft.com/office/drawing/2014/main" id="{5536345E-BB63-40B1-9EA7-9F670BEE1EB6}"/>
+              </a:ext>
+            </a:extLst>
+          </p:cNvPr>
+          <p:cNvPicPr preferRelativeResize="0"/>
+          <p:nvPr/>
+        </p:nvPicPr>
+        <p:blipFill rotWithShape="1">
+          <a:blip r:embed="rId6">
+            <a:alphaModFix/>
+          </a:blip>
+          <a:srcRect/>
+          <a:stretch/>
+        </p:blipFill>
+        <p:spPr>
+          <a:xfrm>
+            <a:off x="5874822" y="3736555"/>
+            <a:ext cx="1772425" cy="231587"/>
+          </a:xfrm>
+          <a:prstGeom prst="rect">
+            <a:avLst/>
+          </a:prstGeom>
+          <a:ln/>
+        </p:spPr>
+        <p:style>
+          <a:lnRef idx="2">
+            <a:schemeClr val="dk1"/>
+          </a:lnRef>
+          <a:fillRef idx="1">
+            <a:schemeClr val="lt1"/>
+          </a:fillRef>
+          <a:effectRef idx="0">
+            <a:schemeClr val="dk1"/>
+          </a:effectRef>
+          <a:fontRef idx="minor">
+            <a:schemeClr val="dk1"/>
+          </a:fontRef>
+        </p:style>
+      </p:pic>
       <p:grpSp>
         <p:nvGrpSpPr>
-          <p:cNvPr id="23" name="Shape 660">
+          <p:cNvPr id="48" name="Shape 660">
             <a:extLst>
               <a:ext uri="{FF2B5EF4-FFF2-40B4-BE49-F238E27FC236}">
-                <a16:creationId xmlns:a16="http://schemas.microsoft.com/office/drawing/2014/main" id="{B3E610FB-4586-4B5D-BED2-C700CAB3E363}"/>
+                <a16:creationId xmlns:a16="http://schemas.microsoft.com/office/drawing/2014/main" id="{8D7B645A-D686-4628-AE7D-D00424056CD6}"/>
               </a:ext>
             </a:extLst>
           </p:cNvPr>
@@ -33064,18 +33473,18 @@
         </p:nvGrpSpPr>
         <p:grpSpPr>
           <a:xfrm>
-            <a:off x="8268500" y="3599650"/>
-            <a:ext cx="3072478" cy="1696991"/>
+            <a:off x="7650099" y="4181022"/>
+            <a:ext cx="1991845" cy="923562"/>
             <a:chOff x="2178036" y="1054763"/>
             <a:chExt cx="1146188" cy="637511"/>
           </a:xfrm>
         </p:grpSpPr>
         <p:sp>
           <p:nvSpPr>
-            <p:cNvPr id="27" name="Shape 661">
+            <p:cNvPr id="52" name="Shape 661">
               <a:extLst>
                 <a:ext uri="{FF2B5EF4-FFF2-40B4-BE49-F238E27FC236}">
-                  <a16:creationId xmlns:a16="http://schemas.microsoft.com/office/drawing/2014/main" id="{6059E562-3DF4-45DA-8EAF-F8809827F30E}"/>
+                  <a16:creationId xmlns:a16="http://schemas.microsoft.com/office/drawing/2014/main" id="{496F0F9A-4D0E-43E1-9BFF-55163D44592B}"/>
                 </a:ext>
               </a:extLst>
             </p:cNvPr>
@@ -33336,10 +33745,10 @@
         </p:sp>
         <p:sp>
           <p:nvSpPr>
-            <p:cNvPr id="28" name="Shape 662">
+            <p:cNvPr id="53" name="Shape 662">
               <a:extLst>
                 <a:ext uri="{FF2B5EF4-FFF2-40B4-BE49-F238E27FC236}">
-                  <a16:creationId xmlns:a16="http://schemas.microsoft.com/office/drawing/2014/main" id="{CB318F83-383D-4B24-8330-BF784F096BD7}"/>
+                  <a16:creationId xmlns:a16="http://schemas.microsoft.com/office/drawing/2014/main" id="{F8D8E513-6636-4413-BDCF-7E1077CFDC86}"/>
                 </a:ext>
               </a:extLst>
             </p:cNvPr>
@@ -33624,10 +34033,10 @@
       </p:grpSp>
       <p:grpSp>
         <p:nvGrpSpPr>
-          <p:cNvPr id="24" name="Shape 663">
+          <p:cNvPr id="49" name="Shape 663">
             <a:extLst>
               <a:ext uri="{FF2B5EF4-FFF2-40B4-BE49-F238E27FC236}">
-                <a16:creationId xmlns:a16="http://schemas.microsoft.com/office/drawing/2014/main" id="{B6347D62-4A5E-4279-ABD7-1AAE43871843}"/>
+                <a16:creationId xmlns:a16="http://schemas.microsoft.com/office/drawing/2014/main" id="{B7F8758F-91C8-48E2-B415-03C92A3CB776}"/>
               </a:ext>
             </a:extLst>
           </p:cNvPr>
@@ -33636,18 +34045,18 @@
         </p:nvGrpSpPr>
         <p:grpSpPr>
           <a:xfrm>
-            <a:off x="8355423" y="4433494"/>
-            <a:ext cx="2792776" cy="771828"/>
+            <a:off x="7737022" y="4593209"/>
+            <a:ext cx="1810518" cy="420056"/>
             <a:chOff x="2178036" y="1054763"/>
             <a:chExt cx="1146188" cy="637511"/>
           </a:xfrm>
         </p:grpSpPr>
         <p:sp>
           <p:nvSpPr>
-            <p:cNvPr id="25" name="Shape 664">
+            <p:cNvPr id="50" name="Shape 664">
               <a:extLst>
                 <a:ext uri="{FF2B5EF4-FFF2-40B4-BE49-F238E27FC236}">
-                  <a16:creationId xmlns:a16="http://schemas.microsoft.com/office/drawing/2014/main" id="{5B1C6B9D-63AB-43EA-962B-12541A83214C}"/>
+                  <a16:creationId xmlns:a16="http://schemas.microsoft.com/office/drawing/2014/main" id="{CFE9B1FF-C781-4452-9112-84BCEFD0F8B4}"/>
                 </a:ext>
               </a:extLst>
             </p:cNvPr>
@@ -33908,10 +34317,10 @@
         </p:sp>
         <p:sp>
           <p:nvSpPr>
-            <p:cNvPr id="26" name="Shape 665">
+            <p:cNvPr id="51" name="Shape 665">
               <a:extLst>
                 <a:ext uri="{FF2B5EF4-FFF2-40B4-BE49-F238E27FC236}">
-                  <a16:creationId xmlns:a16="http://schemas.microsoft.com/office/drawing/2014/main" id="{D56B0ADE-362E-4EBE-BE05-C758DAAFDA35}"/>
+                  <a16:creationId xmlns:a16="http://schemas.microsoft.com/office/drawing/2014/main" id="{984A34F7-5123-4728-AFA4-7DF0B4C4738E}"/>
                 </a:ext>
               </a:extLst>
             </p:cNvPr>
@@ -34194,159 +34603,379 @@
           </p:txBody>
         </p:sp>
       </p:grpSp>
-      <p:pic>
-        <p:nvPicPr>
-          <p:cNvPr id="3074" name="Picture 2" descr="https://docs.apigee.com/api-platform/images/Microgateway-Fig4.png">
+      <p:sp>
+        <p:nvSpPr>
+          <p:cNvPr id="55" name="Shape 661">
             <a:extLst>
               <a:ext uri="{FF2B5EF4-FFF2-40B4-BE49-F238E27FC236}">
-                <a16:creationId xmlns:a16="http://schemas.microsoft.com/office/drawing/2014/main" id="{7B851C8F-C5BC-4DFE-A832-173213BF433B}"/>
+                <a16:creationId xmlns:a16="http://schemas.microsoft.com/office/drawing/2014/main" id="{3B365E58-189F-4D9D-BC83-5EE050447ABB}"/>
               </a:ext>
             </a:extLst>
           </p:cNvPr>
-          <p:cNvPicPr>
-            <a:picLocks noChangeAspect="1" noChangeArrowheads="1"/>
-          </p:cNvPicPr>
+          <p:cNvSpPr/>
           <p:nvPr/>
-        </p:nvPicPr>
-        <p:blipFill>
-          <a:blip r:embed="rId6" cstate="print">
+        </p:nvSpPr>
+        <p:spPr>
+          <a:xfrm>
+            <a:off x="1582585" y="3503309"/>
+            <a:ext cx="1991845" cy="923562"/>
+          </a:xfrm>
+          <a:prstGeom prst="roundRect">
+            <a:avLst>
+              <a:gd name="adj" fmla="val 827"/>
+            </a:avLst>
+          </a:prstGeom>
+          <a:solidFill>
+            <a:srgbClr val="FCE4EC"/>
+          </a:solidFill>
+          <a:ln>
+            <a:noFill/>
+          </a:ln>
+        </p:spPr>
+        <p:txBody>
+          <a:bodyPr lIns="91425" tIns="91425" rIns="91425" bIns="91425" anchor="ctr" anchorCtr="0">
+            <a:noAutofit/>
+          </a:bodyPr>
+          <a:lstStyle>
+            <a:defPPr marR="0" lvl="0" algn="l" rtl="0">
+              <a:lnSpc>
+                <a:spcPct val="100000"/>
+              </a:lnSpc>
+              <a:spcBef>
+                <a:spcPts val="0"/>
+              </a:spcBef>
+              <a:spcAft>
+                <a:spcPts val="0"/>
+              </a:spcAft>
+            </a:defPPr>
+            <a:lvl1pPr marR="0" lvl="0" algn="l" rtl="0">
+              <a:lnSpc>
+                <a:spcPct val="100000"/>
+              </a:lnSpc>
+              <a:spcBef>
+                <a:spcPts val="0"/>
+              </a:spcBef>
+              <a:spcAft>
+                <a:spcPts val="0"/>
+              </a:spcAft>
+              <a:buNone/>
+              <a:defRPr sz="1400" b="0" i="0" u="none" strike="noStrike" cap="none">
+                <a:solidFill>
+                  <a:srgbClr val="000000"/>
+                </a:solidFill>
+                <a:latin typeface="Arial"/>
+                <a:ea typeface="Arial"/>
+                <a:cs typeface="Arial"/>
+                <a:sym typeface="Arial"/>
+              </a:defRPr>
+            </a:lvl1pPr>
+            <a:lvl2pPr marR="0" lvl="1" algn="l" rtl="0">
+              <a:lnSpc>
+                <a:spcPct val="100000"/>
+              </a:lnSpc>
+              <a:spcBef>
+                <a:spcPts val="0"/>
+              </a:spcBef>
+              <a:spcAft>
+                <a:spcPts val="0"/>
+              </a:spcAft>
+              <a:buNone/>
+              <a:defRPr sz="1400" b="0" i="0" u="none" strike="noStrike" cap="none">
+                <a:solidFill>
+                  <a:srgbClr val="000000"/>
+                </a:solidFill>
+                <a:latin typeface="Arial"/>
+                <a:ea typeface="Arial"/>
+                <a:cs typeface="Arial"/>
+                <a:sym typeface="Arial"/>
+              </a:defRPr>
+            </a:lvl2pPr>
+            <a:lvl3pPr marR="0" lvl="2" algn="l" rtl="0">
+              <a:lnSpc>
+                <a:spcPct val="100000"/>
+              </a:lnSpc>
+              <a:spcBef>
+                <a:spcPts val="0"/>
+              </a:spcBef>
+              <a:spcAft>
+                <a:spcPts val="0"/>
+              </a:spcAft>
+              <a:buNone/>
+              <a:defRPr sz="1400" b="0" i="0" u="none" strike="noStrike" cap="none">
+                <a:solidFill>
+                  <a:srgbClr val="000000"/>
+                </a:solidFill>
+                <a:latin typeface="Arial"/>
+                <a:ea typeface="Arial"/>
+                <a:cs typeface="Arial"/>
+                <a:sym typeface="Arial"/>
+              </a:defRPr>
+            </a:lvl3pPr>
+            <a:lvl4pPr marR="0" lvl="3" algn="l" rtl="0">
+              <a:lnSpc>
+                <a:spcPct val="100000"/>
+              </a:lnSpc>
+              <a:spcBef>
+                <a:spcPts val="0"/>
+              </a:spcBef>
+              <a:spcAft>
+                <a:spcPts val="0"/>
+              </a:spcAft>
+              <a:buNone/>
+              <a:defRPr sz="1400" b="0" i="0" u="none" strike="noStrike" cap="none">
+                <a:solidFill>
+                  <a:srgbClr val="000000"/>
+                </a:solidFill>
+                <a:latin typeface="Arial"/>
+                <a:ea typeface="Arial"/>
+                <a:cs typeface="Arial"/>
+                <a:sym typeface="Arial"/>
+              </a:defRPr>
+            </a:lvl4pPr>
+            <a:lvl5pPr marR="0" lvl="4" algn="l" rtl="0">
+              <a:lnSpc>
+                <a:spcPct val="100000"/>
+              </a:lnSpc>
+              <a:spcBef>
+                <a:spcPts val="0"/>
+              </a:spcBef>
+              <a:spcAft>
+                <a:spcPts val="0"/>
+              </a:spcAft>
+              <a:buNone/>
+              <a:defRPr sz="1400" b="0" i="0" u="none" strike="noStrike" cap="none">
+                <a:solidFill>
+                  <a:srgbClr val="000000"/>
+                </a:solidFill>
+                <a:latin typeface="Arial"/>
+                <a:ea typeface="Arial"/>
+                <a:cs typeface="Arial"/>
+                <a:sym typeface="Arial"/>
+              </a:defRPr>
+            </a:lvl5pPr>
+            <a:lvl6pPr marR="0" lvl="5" algn="l" rtl="0">
+              <a:lnSpc>
+                <a:spcPct val="100000"/>
+              </a:lnSpc>
+              <a:spcBef>
+                <a:spcPts val="0"/>
+              </a:spcBef>
+              <a:spcAft>
+                <a:spcPts val="0"/>
+              </a:spcAft>
+              <a:buNone/>
+              <a:defRPr sz="1400" b="0" i="0" u="none" strike="noStrike" cap="none">
+                <a:solidFill>
+                  <a:srgbClr val="000000"/>
+                </a:solidFill>
+                <a:latin typeface="Arial"/>
+                <a:ea typeface="Arial"/>
+                <a:cs typeface="Arial"/>
+                <a:sym typeface="Arial"/>
+              </a:defRPr>
+            </a:lvl6pPr>
+            <a:lvl7pPr marR="0" lvl="6" algn="l" rtl="0">
+              <a:lnSpc>
+                <a:spcPct val="100000"/>
+              </a:lnSpc>
+              <a:spcBef>
+                <a:spcPts val="0"/>
+              </a:spcBef>
+              <a:spcAft>
+                <a:spcPts val="0"/>
+              </a:spcAft>
+              <a:buNone/>
+              <a:defRPr sz="1400" b="0" i="0" u="none" strike="noStrike" cap="none">
+                <a:solidFill>
+                  <a:srgbClr val="000000"/>
+                </a:solidFill>
+                <a:latin typeface="Arial"/>
+                <a:ea typeface="Arial"/>
+                <a:cs typeface="Arial"/>
+                <a:sym typeface="Arial"/>
+              </a:defRPr>
+            </a:lvl7pPr>
+            <a:lvl8pPr marR="0" lvl="7" algn="l" rtl="0">
+              <a:lnSpc>
+                <a:spcPct val="100000"/>
+              </a:lnSpc>
+              <a:spcBef>
+                <a:spcPts val="0"/>
+              </a:spcBef>
+              <a:spcAft>
+                <a:spcPts val="0"/>
+              </a:spcAft>
+              <a:buNone/>
+              <a:defRPr sz="1400" b="0" i="0" u="none" strike="noStrike" cap="none">
+                <a:solidFill>
+                  <a:srgbClr val="000000"/>
+                </a:solidFill>
+                <a:latin typeface="Arial"/>
+                <a:ea typeface="Arial"/>
+                <a:cs typeface="Arial"/>
+                <a:sym typeface="Arial"/>
+              </a:defRPr>
+            </a:lvl8pPr>
+            <a:lvl9pPr marR="0" lvl="8" algn="l" rtl="0">
+              <a:lnSpc>
+                <a:spcPct val="100000"/>
+              </a:lnSpc>
+              <a:spcBef>
+                <a:spcPts val="0"/>
+              </a:spcBef>
+              <a:spcAft>
+                <a:spcPts val="0"/>
+              </a:spcAft>
+              <a:buNone/>
+              <a:defRPr sz="1400" b="0" i="0" u="none" strike="noStrike" cap="none">
+                <a:solidFill>
+                  <a:srgbClr val="000000"/>
+                </a:solidFill>
+                <a:latin typeface="Arial"/>
+                <a:ea typeface="Arial"/>
+                <a:cs typeface="Arial"/>
+                <a:sym typeface="Arial"/>
+              </a:defRPr>
+            </a:lvl9pPr>
+          </a:lstStyle>
+          <a:p>
+            <a:pPr marL="0" marR="0" lvl="0" indent="0" algn="ctr" rtl="0">
+              <a:lnSpc>
+                <a:spcPct val="100000"/>
+              </a:lnSpc>
+              <a:spcBef>
+                <a:spcPts val="0"/>
+              </a:spcBef>
+              <a:spcAft>
+                <a:spcPts val="0"/>
+              </a:spcAft>
+              <a:buClr>
+                <a:srgbClr val="000000"/>
+              </a:buClr>
+              <a:buFont typeface="Arial"/>
+              <a:buNone/>
+            </a:pPr>
+            <a:r>
+              <a:rPr lang="en-US" sz="1400" b="0" i="0" u="none" strike="noStrike" cap="none" dirty="0">
+                <a:solidFill>
+                  <a:srgbClr val="9E9E9E"/>
+                </a:solidFill>
+                <a:latin typeface="Arial"/>
+                <a:ea typeface="Arial"/>
+                <a:cs typeface="Arial"/>
+                <a:sym typeface="Arial"/>
+              </a:rPr>
+              <a:t>APIGEE Edge Cloud</a:t>
+            </a:r>
+            <a:endParaRPr sz="1400" b="0" i="0" u="none" strike="noStrike" cap="none" dirty="0">
+              <a:solidFill>
+                <a:srgbClr val="9E9E9E"/>
+              </a:solidFill>
+              <a:latin typeface="Arial"/>
+              <a:ea typeface="Arial"/>
+              <a:cs typeface="Arial"/>
+              <a:sym typeface="Arial"/>
+            </a:endParaRPr>
+          </a:p>
+        </p:txBody>
+      </p:sp>
+      <p:sp>
+        <p:nvSpPr>
+          <p:cNvPr id="60" name="TextBox 59">
             <a:extLst>
-              <a:ext uri="{28A0092B-C50C-407E-A947-70E740481C1C}">
-                <a14:useLocalDpi xmlns:a14="http://schemas.microsoft.com/office/drawing/2010/main" val="0"/>
+              <a:ext uri="{FF2B5EF4-FFF2-40B4-BE49-F238E27FC236}">
+                <a16:creationId xmlns:a16="http://schemas.microsoft.com/office/drawing/2014/main" id="{0BA67CD7-F2F1-45E8-A9C5-9E9A4D267C39}"/>
               </a:ext>
             </a:extLst>
-          </a:blip>
-          <a:srcRect/>
-          <a:stretch>
-            <a:fillRect/>
-          </a:stretch>
-        </p:blipFill>
-        <p:spPr bwMode="auto">
+          </p:cNvPr>
+          <p:cNvSpPr txBox="1"/>
+          <p:nvPr/>
+        </p:nvSpPr>
+        <p:spPr>
           <a:xfrm>
-            <a:off x="-897316" y="1679988"/>
-            <a:ext cx="7557415" cy="3823985"/>
+            <a:off x="9857861" y="2017771"/>
+            <a:ext cx="1356205" cy="461665"/>
           </a:xfrm>
           <a:prstGeom prst="rect">
             <a:avLst/>
           </a:prstGeom>
           <a:noFill/>
-          <a:extLst>
-            <a:ext uri="{909E8E84-426E-40DD-AFC4-6F175D3DCCD1}">
-              <a14:hiddenFill xmlns:a14="http://schemas.microsoft.com/office/drawing/2010/main">
-                <a:solidFill>
-                  <a:srgbClr val="FFFFFF"/>
-                </a:solidFill>
-              </a14:hiddenFill>
-            </a:ext>
-          </a:extLst>
         </p:spPr>
-      </p:pic>
-      <p:cxnSp>
-        <p:nvCxnSpPr>
-          <p:cNvPr id="36" name="Straight Arrow Connector 35">
+        <p:txBody>
+          <a:bodyPr wrap="none" rtlCol="0">
+            <a:spAutoFit/>
+          </a:bodyPr>
+          <a:lstStyle/>
+          <a:p>
+            <a:r>
+              <a:rPr lang="en-US" dirty="0"/>
+              <a:t>Microsite</a:t>
+            </a:r>
+          </a:p>
+        </p:txBody>
+      </p:sp>
+      <p:sp>
+        <p:nvSpPr>
+          <p:cNvPr id="62" name="TextBox 61">
             <a:extLst>
               <a:ext uri="{FF2B5EF4-FFF2-40B4-BE49-F238E27FC236}">
-                <a16:creationId xmlns:a16="http://schemas.microsoft.com/office/drawing/2014/main" id="{0BDC112F-F503-4AF3-9C16-7D5704BCB611}"/>
+                <a16:creationId xmlns:a16="http://schemas.microsoft.com/office/drawing/2014/main" id="{14DE5BCD-3DA3-45FB-B928-CA43A3853307}"/>
               </a:ext>
             </a:extLst>
           </p:cNvPr>
-          <p:cNvCxnSpPr/>
+          <p:cNvSpPr txBox="1"/>
+          <p:nvPr/>
+        </p:nvSpPr>
+        <p:spPr>
+          <a:xfrm>
+            <a:off x="9857861" y="6131655"/>
+            <a:ext cx="2324034" cy="461665"/>
+          </a:xfrm>
+          <a:prstGeom prst="rect">
+            <a:avLst/>
+          </a:prstGeom>
+          <a:noFill/>
+        </p:spPr>
+        <p:txBody>
+          <a:bodyPr wrap="none" rtlCol="0">
+            <a:spAutoFit/>
+          </a:bodyPr>
+          <a:lstStyle/>
+          <a:p>
+            <a:r>
+              <a:rPr lang="en-US" dirty="0"/>
+              <a:t>Backend Services</a:t>
+            </a:r>
+          </a:p>
+        </p:txBody>
+      </p:sp>
+      <p:cxnSp>
+        <p:nvCxnSpPr>
+          <p:cNvPr id="63" name="Straight Arrow Connector 62">
+            <a:extLst>
+              <a:ext uri="{FF2B5EF4-FFF2-40B4-BE49-F238E27FC236}">
+                <a16:creationId xmlns:a16="http://schemas.microsoft.com/office/drawing/2014/main" id="{245EEAA1-D89E-4CA2-97C7-F671A69E111A}"/>
+              </a:ext>
+            </a:extLst>
+          </p:cNvPr>
+          <p:cNvCxnSpPr>
+            <a:cxnSpLocks/>
+            <a:stCxn id="55" idx="0"/>
+            <a:endCxn id="17" idx="1"/>
+          </p:cNvCxnSpPr>
           <p:nvPr/>
         </p:nvCxnSpPr>
         <p:spPr>
           <a:xfrm flipV="1">
-            <a:off x="6780276" y="2132856"/>
-            <a:ext cx="1563990" cy="1466794"/>
+            <a:off x="2578508" y="2248605"/>
+            <a:ext cx="3945493" cy="1254704"/>
           </a:xfrm>
           <a:prstGeom prst="straightConnector1">
             <a:avLst/>
           </a:prstGeom>
           <a:ln>
-            <a:tailEnd type="triangle"/>
-          </a:ln>
-        </p:spPr>
-        <p:style>
-          <a:lnRef idx="1">
-            <a:schemeClr val="accent1"/>
-          </a:lnRef>
-          <a:fillRef idx="0">
-            <a:schemeClr val="accent1"/>
-          </a:fillRef>
-          <a:effectRef idx="0">
-            <a:schemeClr val="accent1"/>
-          </a:effectRef>
-          <a:fontRef idx="minor">
-            <a:schemeClr val="tx1"/>
-          </a:fontRef>
-        </p:style>
-      </p:cxnSp>
-      <p:cxnSp>
-        <p:nvCxnSpPr>
-          <p:cNvPr id="38" name="Straight Arrow Connector 37">
-            <a:extLst>
-              <a:ext uri="{FF2B5EF4-FFF2-40B4-BE49-F238E27FC236}">
-                <a16:creationId xmlns:a16="http://schemas.microsoft.com/office/drawing/2014/main" id="{5E34CC47-DED0-40AA-A8B3-75D56EC7E38E}"/>
-              </a:ext>
-            </a:extLst>
-          </p:cNvPr>
-          <p:cNvCxnSpPr>
-            <a:cxnSpLocks/>
-            <a:stCxn id="30" idx="0"/>
-          </p:cNvCxnSpPr>
-          <p:nvPr/>
-        </p:nvCxnSpPr>
-        <p:spPr>
-          <a:xfrm flipV="1">
-            <a:off x="9681020" y="2672230"/>
-            <a:ext cx="95968" cy="624614"/>
-          </a:xfrm>
-          <a:prstGeom prst="straightConnector1">
-            <a:avLst/>
-          </a:prstGeom>
-          <a:ln>
-            <a:tailEnd type="triangle"/>
-          </a:ln>
-        </p:spPr>
-        <p:style>
-          <a:lnRef idx="1">
-            <a:schemeClr val="accent1"/>
-          </a:lnRef>
-          <a:fillRef idx="0">
-            <a:schemeClr val="accent1"/>
-          </a:fillRef>
-          <a:effectRef idx="0">
-            <a:schemeClr val="accent1"/>
-          </a:effectRef>
-          <a:fontRef idx="minor">
-            <a:schemeClr val="tx1"/>
-          </a:fontRef>
-        </p:style>
-      </p:cxnSp>
-      <p:cxnSp>
-        <p:nvCxnSpPr>
-          <p:cNvPr id="41" name="Straight Arrow Connector 40">
-            <a:extLst>
-              <a:ext uri="{FF2B5EF4-FFF2-40B4-BE49-F238E27FC236}">
-                <a16:creationId xmlns:a16="http://schemas.microsoft.com/office/drawing/2014/main" id="{4B106706-1D28-4890-8EAC-54E553C4AC4D}"/>
-              </a:ext>
-            </a:extLst>
-          </p:cNvPr>
-          <p:cNvCxnSpPr>
-            <a:cxnSpLocks/>
-            <a:endCxn id="30" idx="1"/>
-          </p:cNvCxnSpPr>
-          <p:nvPr/>
-        </p:nvCxnSpPr>
-        <p:spPr>
-          <a:xfrm>
-            <a:off x="6672203" y="3987502"/>
-            <a:ext cx="718353" cy="412907"/>
-          </a:xfrm>
-          <a:prstGeom prst="straightConnector1">
-            <a:avLst/>
-          </a:prstGeom>
-          <a:ln>
-            <a:tailEnd type="triangle"/>
+            <a:headEnd type="triangle" w="med" len="med"/>
+            <a:tailEnd type="none" w="med" len="med"/>
           </a:ln>
         </p:spPr>
         <p:style>
